--- a/paper/LGM3A25.pptx
+++ b/paper/LGM3A25.pptx
@@ -21,36 +21,43 @@
   <p:notesSz cx="6858000" cy="9144000"/>
   <p:embeddedFontLst>
     <p:embeddedFont>
-      <p:font typeface="Microsoft Yahei" panose="020B0503020204020204" pitchFamily="34" charset="-122"/>
+      <p:font typeface="Calibri" panose="020F0502020204030204" pitchFamily="34" charset="0"/>
       <p:regular r:id="rId11"/>
       <p:bold r:id="rId12"/>
+      <p:italic r:id="rId13"/>
+      <p:boldItalic r:id="rId14"/>
     </p:embeddedFont>
     <p:embeddedFont>
       <p:font typeface="Microsoft Yahei" panose="020B0503020204020204" pitchFamily="34" charset="-122"/>
-      <p:regular r:id="rId11"/>
-      <p:bold r:id="rId12"/>
+      <p:regular r:id="rId15"/>
+      <p:bold r:id="rId16"/>
     </p:embeddedFont>
     <p:embeddedFont>
       <p:font typeface="Microsoft Yahei" panose="020B0503020204020204" pitchFamily="34" charset="-122"/>
-      <p:regular r:id="rId11"/>
-      <p:bold r:id="rId12"/>
+      <p:regular r:id="rId15"/>
+      <p:bold r:id="rId16"/>
+    </p:embeddedFont>
+    <p:embeddedFont>
+      <p:font typeface="Microsoft Yahei" panose="020B0503020204020204" pitchFamily="34" charset="-122"/>
+      <p:regular r:id="rId15"/>
+      <p:bold r:id="rId16"/>
     </p:embeddedFont>
     <p:embeddedFont>
       <p:font typeface="Open Sans" panose="020B0606030504020204" pitchFamily="34" charset="0"/>
-      <p:regular r:id="rId13"/>
-      <p:bold r:id="rId14"/>
-      <p:italic r:id="rId15"/>
-      <p:boldItalic r:id="rId16"/>
+      <p:regular r:id="rId17"/>
+      <p:bold r:id="rId18"/>
+      <p:italic r:id="rId19"/>
+      <p:boldItalic r:id="rId20"/>
     </p:embeddedFont>
     <p:embeddedFont>
       <p:font typeface="PT Sans Narrow" panose="020B0506020203020204" pitchFamily="34" charset="0"/>
-      <p:regular r:id="rId17"/>
-      <p:bold r:id="rId18"/>
+      <p:regular r:id="rId21"/>
+      <p:bold r:id="rId22"/>
     </p:embeddedFont>
     <p:embeddedFont>
       <p:font typeface="Tahoma" panose="020B0604030504040204" pitchFamily="34" charset="0"/>
-      <p:regular r:id="rId19"/>
-      <p:bold r:id="rId20"/>
+      <p:regular r:id="rId23"/>
+      <p:bold r:id="rId24"/>
     </p:embeddedFont>
   </p:embeddedFontLst>
   <p:defaultTextStyle>
@@ -298,7 +305,7 @@
       </p15:sldGuideLst>
     </p:ext>
     <p:ext uri="GoogleSlidesCustomDataVersion2">
-      <go:slidesCustomData xmlns:go="http://customooxmlschemas.google.com/" xmlns:ahyp="http://schemas.microsoft.com/office/drawing/2018/hyperlinkcolor" xmlns:p15="http://schemas.microsoft.com/office/powerpoint/2012/main" xmlns:p14="http://schemas.microsoft.com/office/powerpoint/2010/main" xmlns:com="http://schemas.openxmlformats.org/drawingml/2006/compatibility" xmlns:pvml="urn:schemas-microsoft-com:office:powerpoint" xmlns:v="urn:schemas-microsoft-com:vml" xmlns:o="urn:schemas-microsoft-com:office:office" xmlns:dgm="http://schemas.openxmlformats.org/drawingml/2006/diagram" xmlns:c="http://schemas.openxmlformats.org/drawingml/2006/chart" xmlns:mv="urn:schemas-microsoft-com:mac:vml" xmlns:mc="http://schemas.openxmlformats.org/markup-compatibility/2006" xmlns="" r:id="rId21" roundtripDataSignature="AMtx7mjwciJYBEbK6MwkyPiKeLH06hdlyw=="/>
+      <go:slidesCustomData xmlns="" xmlns:mc="http://schemas.openxmlformats.org/markup-compatibility/2006" xmlns:mv="urn:schemas-microsoft-com:mac:vml" xmlns:c="http://schemas.openxmlformats.org/drawingml/2006/chart" xmlns:dgm="http://schemas.openxmlformats.org/drawingml/2006/diagram" xmlns:o="urn:schemas-microsoft-com:office:office" xmlns:v="urn:schemas-microsoft-com:vml" xmlns:pvml="urn:schemas-microsoft-com:office:powerpoint" xmlns:com="http://schemas.openxmlformats.org/drawingml/2006/compatibility" xmlns:p14="http://schemas.microsoft.com/office/powerpoint/2010/main" xmlns:p15="http://schemas.microsoft.com/office/powerpoint/2012/main" xmlns:ahyp="http://schemas.microsoft.com/office/drawing/2018/hyperlinkcolor" xmlns:go="http://customooxmlschemas.google.com/" r:id="rId25" roundtripDataSignature="AMtx7mjwciJYBEbK6MwkyPiKeLH06hdlyw=="/>
     </p:ext>
   </p:extLst>
 </p:presentation>
@@ -993,6 +1000,10 @@
               <a:buSzPts val="1100"/>
               <a:buNone/>
             </a:pPr>
+            <a:r>
+              <a:rPr lang="en-US" dirty="0"/>
+              <a:t>Hello everyone, welcome our workshop, large generative models meet multimodal applications. I am Wang Zheng from Huawei Singapore</a:t>
+            </a:r>
             <a:endParaRPr dirty="0"/>
           </a:p>
         </p:txBody>
@@ -1115,7 +1126,19 @@
               <a:buSzPts val="1100"/>
               <a:buNone/>
             </a:pPr>
-            <a:endParaRPr/>
+            <a:r>
+              <a:rPr lang="en-US" dirty="0"/>
+              <a:t>I first introduce our workshop, </a:t>
+            </a:r>
+            <a:r>
+              <a:rPr lang="en-US" altLang="zh-CN" dirty="0"/>
+              <a:t>this</a:t>
+            </a:r>
+            <a:r>
+              <a:rPr lang="en-US" dirty="0"/>
+              <a:t> workshop explores LLMs for multimodal interaction, highlighting the growing need to use LLMs with increasing multimodal data, and welcomes professionals to explore emerging multimodal model trends and practices. For scope and topics, our workshop is a platform to present latest works, foster discussions on current challenges and opportunities, identify emerging trends in Multimodal Large Language Models, and explore their potential impact on future research and development.</a:t>
+            </a:r>
+            <a:endParaRPr dirty="0"/>
           </a:p>
         </p:txBody>
       </p:sp>
@@ -1237,7 +1260,71 @@
               <a:buSzPts val="1100"/>
               <a:buNone/>
             </a:pPr>
-            <a:endParaRPr/>
+            <a:r>
+              <a:rPr lang="en-US" dirty="0"/>
+              <a:t>Our organizers are from Huawei Singapore, </a:t>
+            </a:r>
+            <a:r>
+              <a:rPr lang="zh-CN" dirty="0">
+                <a:solidFill>
+                  <a:schemeClr val="dk2"/>
+                </a:solidFill>
+                <a:highlight>
+                  <a:srgbClr val="FFFFFF"/>
+                </a:highlight>
+                <a:latin typeface="Open Sans"/>
+                <a:ea typeface="Open Sans"/>
+                <a:cs typeface="Open Sans"/>
+                <a:sym typeface="Open Sans"/>
+              </a:rPr>
+              <a:t>Nanyang Technological University</a:t>
+            </a:r>
+            <a:r>
+              <a:rPr lang="en-US" altLang="zh-CN" dirty="0">
+                <a:solidFill>
+                  <a:schemeClr val="dk2"/>
+                </a:solidFill>
+                <a:highlight>
+                  <a:srgbClr val="FFFFFF"/>
+                </a:highlight>
+                <a:latin typeface="Open Sans"/>
+                <a:ea typeface="Open Sans"/>
+                <a:cs typeface="Open Sans"/>
+                <a:sym typeface="Open Sans"/>
+              </a:rPr>
+              <a:t>, and </a:t>
+            </a:r>
+            <a:r>
+              <a:rPr lang="zh-CN" dirty="0">
+                <a:solidFill>
+                  <a:schemeClr val="dk2"/>
+                </a:solidFill>
+                <a:highlight>
+                  <a:srgbClr val="FFFFFF"/>
+                </a:highlight>
+                <a:latin typeface="Open Sans"/>
+                <a:ea typeface="Open Sans"/>
+                <a:cs typeface="Open Sans"/>
+                <a:sym typeface="Open Sans"/>
+              </a:rPr>
+              <a:t>National University of Singapore</a:t>
+            </a:r>
+            <a:r>
+              <a:rPr lang="en-US" altLang="zh-CN" dirty="0">
+                <a:solidFill>
+                  <a:schemeClr val="dk2"/>
+                </a:solidFill>
+                <a:highlight>
+                  <a:srgbClr val="FFFFFF"/>
+                </a:highlight>
+                <a:latin typeface="Open Sans"/>
+                <a:ea typeface="Open Sans"/>
+                <a:cs typeface="Open Sans"/>
+                <a:sym typeface="Open Sans"/>
+              </a:rPr>
+              <a:t>. In this year workshop, we have four invited keynotes and four accepted papers, our acceptance rate is around 57%</a:t>
+            </a:r>
+            <a:endParaRPr dirty="0"/>
           </a:p>
         </p:txBody>
       </p:sp>
@@ -1359,7 +1446,11 @@
               <a:buSzPts val="1100"/>
               <a:buNone/>
             </a:pPr>
-            <a:endParaRPr/>
+            <a:r>
+              <a:rPr lang="en-US" dirty="0"/>
+              <a:t>This is the schedule of today’s workshop, we have four keynote talks following two paper presentation, the last part is networking.</a:t>
+            </a:r>
+            <a:endParaRPr dirty="0"/>
           </a:p>
         </p:txBody>
       </p:sp>
@@ -1400,7 +1491,7 @@
         </p:nvSpPr>
         <p:spPr>
           <a:xfrm>
-            <a:off x="381300" y="685800"/>
+            <a:off x="381000" y="685800"/>
             <a:ext cx="6096000" cy="3429000"/>
           </a:xfrm>
           <a:custGeom>
@@ -1472,14 +1563,38 @@
               <a:buNone/>
             </a:pPr>
             <a:r>
-              <a:rPr lang="zh-CN" sz="1200">
+              <a:rPr lang="en-US" altLang="zh-CN" sz="1200" dirty="0">
                 <a:solidFill>
                   <a:schemeClr val="dk1"/>
                 </a:solidFill>
               </a:rPr>
-              <a:t>This is an overview of the Poisson Lab, part of the Central Software Institute under 2012 Labs. The scope of our lab includes 4 scenarios, 3 platforms, and 9 capabilities. Specifically, We support the scenarios of Device-Side Search and Recommendation such as HarmonyOS, AI Search such as conversational search, advertisment search and recommendation such as News Feeds, and LLM application development and execution such as Coze platform. For platforms, we build 3 platforms including Device-side Search/Recommendation/Agent Kit, search recommendation and advertisement platform, and Jiuwen agents platform. To support these platforms, we require key capabilities including full-text search, knowledge retrieval, multi-channel recall, converged sorting, semantic representation, feature engineering, knowledge reasoning, knowledge building, and prompt engineering.</a:t>
-            </a:r>
-            <a:endParaRPr sz="1200">
+              <a:t>Next, I’d like to give a brief introduction of our Huawei Lab, called Poisson Lab. It is part of the Central Software Institute under 2012 Labs. </a:t>
+            </a:r>
+            <a:r>
+              <a:rPr lang="zh-CN" sz="1200" dirty="0">
+                <a:solidFill>
+                  <a:schemeClr val="dk1"/>
+                </a:solidFill>
+              </a:rPr>
+              <a:t>The scope of our lab includes 4 scenarios, 3 platforms, and 9 capabilities. Specifically, We support the scenarios of Device-Side Search and Recommendation such as HarmonyOS, AI Search such as conversational search, advertisment search and recommendation such as News Feeds, and LLM application development and execution </a:t>
+            </a:r>
+            <a:r>
+              <a:rPr lang="en-US" altLang="zh-CN" sz="1200" dirty="0">
+                <a:solidFill>
+                  <a:schemeClr val="dk1"/>
+                </a:solidFill>
+              </a:rPr>
+              <a:t>similar to </a:t>
+            </a:r>
+            <a:r>
+              <a:rPr lang="zh-CN" sz="1200" dirty="0">
+                <a:solidFill>
+                  <a:schemeClr val="dk1"/>
+                </a:solidFill>
+              </a:rPr>
+              <a:t>Coze platform. For platforms, we build 3 platforms including Device-side Search/Recommendation/Agent Kit, search recommendation and advertisement platform, and Jiuwen agents platform. To support these platforms, we require key capabilities including full-text search, knowledge retrieval, multi-channel recall, converged sorting, semantic representation, feature engineering, knowledge reasoning, knowledge building, and prompt engineering.</a:t>
+            </a:r>
+            <a:endParaRPr sz="1200" dirty="0">
               <a:solidFill>
                 <a:schemeClr val="dk1"/>
               </a:solidFill>
@@ -1504,14 +1619,14 @@
               <a:buNone/>
             </a:pPr>
             <a:r>
-              <a:rPr lang="zh-CN" sz="1200">
+              <a:rPr lang="zh-CN" sz="1200" dirty="0">
                 <a:solidFill>
                   <a:schemeClr val="dk1"/>
                 </a:solidFill>
               </a:rPr>
               <a:t>Our platforms support applications for customers such as Celia Knowledge Q&amp;A, and business including Huawei Cloud and MetaERP.</a:t>
             </a:r>
-            <a:endParaRPr sz="1200">
+            <a:endParaRPr sz="1200" dirty="0">
               <a:solidFill>
                 <a:schemeClr val="dk1"/>
               </a:solidFill>
@@ -1527,7 +1642,7 @@
               </a:spcAft>
               <a:buNone/>
             </a:pPr>
-            <a:endParaRPr sz="1200"/>
+            <a:endParaRPr sz="1200" dirty="0"/>
           </a:p>
         </p:txBody>
       </p:sp>
@@ -2199,7 +2314,19 @@
               </a:spcAft>
               <a:buNone/>
             </a:pPr>
-            <a:endParaRPr/>
+            <a:r>
+              <a:rPr lang="en-US" dirty="0"/>
+              <a:t>Finally, this is a recruitment information, we are looking for AI agent Engineer/Researcher, </a:t>
+            </a:r>
+            <a:r>
+              <a:rPr lang="en-US" dirty="0" err="1"/>
+              <a:t>Search&amp;Recommendation</a:t>
+            </a:r>
+            <a:r>
+              <a:rPr lang="en-US" dirty="0"/>
+              <a:t> Software Engineer and Researcher. This is the application link, everyone can scan this QR code to submit your CV.</a:t>
+            </a:r>
+            <a:endParaRPr dirty="0"/>
           </a:p>
         </p:txBody>
       </p:sp>
@@ -4189,7 +4316,7 @@
           <a:p>
             <a:fld id="{8CC9CBF4-4392-4798-A87E-01CD6F8C35A4}" type="datetime1">
               <a:rPr lang="en-GB" smtClean="0"/>
-              <a:t>24/10/2025</a:t>
+              <a:t>27/10/2025</a:t>
             </a:fld>
             <a:endParaRPr lang="en-GB"/>
           </a:p>
@@ -4911,7 +5038,7 @@
           <a:p>
             <a:fld id="{34D345EB-B0A5-4646-98CA-B6E3E01765CC}" type="datetime1">
               <a:rPr lang="en-GB" smtClean="0"/>
-              <a:t>24/10/2025</a:t>
+              <a:t>27/10/2025</a:t>
             </a:fld>
             <a:endParaRPr lang="en-GB"/>
           </a:p>
@@ -5111,7 +5238,7 @@
           <a:p>
             <a:fld id="{8CC9CBF4-4392-4798-A87E-01CD6F8C35A4}" type="datetime1">
               <a:rPr lang="en-GB" smtClean="0"/>
-              <a:t>24/10/2025</a:t>
+              <a:t>27/10/2025</a:t>
             </a:fld>
             <a:endParaRPr lang="en-GB"/>
           </a:p>
@@ -5315,7 +5442,7 @@
           <a:p>
             <a:fld id="{A930F90B-DF74-4D62-BC59-51841C35E82C}" type="datetime1">
               <a:rPr lang="en-GB" smtClean="0"/>
-              <a:t>24/10/2025</a:t>
+              <a:t>27/10/2025</a:t>
             </a:fld>
             <a:endParaRPr lang="en-GB"/>
           </a:p>
@@ -5559,7 +5686,7 @@
           <a:p>
             <a:fld id="{7287BFFC-9CA5-4E50-B049-45D96DD1724B}" type="datetime1">
               <a:rPr lang="en-GB" smtClean="0"/>
-              <a:t>24/10/2025</a:t>
+              <a:t>27/10/2025</a:t>
             </a:fld>
             <a:endParaRPr lang="en-GB"/>
           </a:p>
@@ -5938,7 +6065,7 @@
           <a:p>
             <a:fld id="{985B9811-0636-4B1B-A1CD-1FDAE8537323}" type="datetime1">
               <a:rPr lang="en-GB" smtClean="0"/>
-              <a:t>24/10/2025</a:t>
+              <a:t>27/10/2025</a:t>
             </a:fld>
             <a:endParaRPr lang="en-GB"/>
           </a:p>
@@ -6068,7 +6195,7 @@
           <a:p>
             <a:fld id="{BD2B3FEC-A6EB-4CD3-A747-9603BB9E2157}" type="datetime1">
               <a:rPr lang="en-GB" smtClean="0"/>
-              <a:t>24/10/2025</a:t>
+              <a:t>27/10/2025</a:t>
             </a:fld>
             <a:endParaRPr lang="en-GB"/>
           </a:p>
@@ -6175,7 +6302,7 @@
           <a:p>
             <a:fld id="{C7C20FF9-DC68-4F79-B9BC-1FDC3119E9CF}" type="datetime1">
               <a:rPr lang="en-GB" smtClean="0"/>
-              <a:t>24/10/2025</a:t>
+              <a:t>27/10/2025</a:t>
             </a:fld>
             <a:endParaRPr lang="en-GB"/>
           </a:p>
@@ -7146,7 +7273,7 @@
           <a:p>
             <a:fld id="{BB52D110-C635-452D-B267-EAD0F8B99BF9}" type="datetime1">
               <a:rPr lang="en-GB" smtClean="0"/>
-              <a:t>24/10/2025</a:t>
+              <a:t>27/10/2025</a:t>
             </a:fld>
             <a:endParaRPr lang="en-GB"/>
           </a:p>
@@ -7415,7 +7542,7 @@
           <a:p>
             <a:fld id="{E6E1ECD7-CE9E-4761-A327-DC1BCF18DC8C}" type="datetime1">
               <a:rPr lang="en-GB" smtClean="0"/>
-              <a:t>24/10/2025</a:t>
+              <a:t>27/10/2025</a:t>
             </a:fld>
             <a:endParaRPr lang="en-GB"/>
           </a:p>
@@ -7597,7 +7724,7 @@
           <a:p>
             <a:fld id="{C29B435B-B099-4B2E-926E-55C5C737FFA7}" type="datetime1">
               <a:rPr lang="en-GB" smtClean="0"/>
-              <a:t>24/10/2025</a:t>
+              <a:t>27/10/2025</a:t>
             </a:fld>
             <a:endParaRPr lang="en-GB"/>
           </a:p>
@@ -7789,7 +7916,7 @@
           <a:p>
             <a:fld id="{AC1F1BF8-E17B-4B6E-8CBF-3DF614A1B740}" type="datetime1">
               <a:rPr lang="en-GB" smtClean="0"/>
-              <a:t>24/10/2025</a:t>
+              <a:t>27/10/2025</a:t>
             </a:fld>
             <a:endParaRPr lang="en-GB"/>
           </a:p>
@@ -8157,7 +8284,7 @@
           <a:p>
             <a:fld id="{31BF4872-1531-4ED2-8DE1-5A574DFB1F53}" type="datetime1">
               <a:rPr lang="en-GB" smtClean="0"/>
-              <a:t>24/10/2025</a:t>
+              <a:t>27/10/2025</a:t>
             </a:fld>
             <a:endParaRPr lang="en-GB"/>
           </a:p>
@@ -8335,7 +8462,7 @@
           <a:p>
             <a:fld id="{474A9C4D-EA58-481D-93E4-A53A7C808CCE}" type="datetime1">
               <a:rPr lang="en-GB" smtClean="0"/>
-              <a:t>24/10/2025</a:t>
+              <a:t>27/10/2025</a:t>
             </a:fld>
             <a:endParaRPr lang="en-GB"/>
           </a:p>
@@ -8599,7 +8726,7 @@
           <a:p>
             <a:fld id="{6896B38E-0345-49E7-BE68-17AC2E488B5F}" type="datetime1">
               <a:rPr lang="en-GB" smtClean="0"/>
-              <a:t>24/10/2025</a:t>
+              <a:t>27/10/2025</a:t>
             </a:fld>
             <a:endParaRPr lang="en-GB"/>
           </a:p>
@@ -8920,7 +9047,7 @@
           <a:p>
             <a:fld id="{7302A32F-B957-4253-B50A-EA6582C2ED25}" type="datetime1">
               <a:rPr lang="en-GB" smtClean="0"/>
-              <a:t>24/10/2025</a:t>
+              <a:t>27/10/2025</a:t>
             </a:fld>
             <a:endParaRPr lang="en-GB"/>
           </a:p>
@@ -15521,7 +15648,7 @@
           <a:p>
             <a:fld id="{CDFC2330-3429-4128-9CCD-062C2B7CFE4F}" type="datetime1">
               <a:rPr lang="en-GB" smtClean="0"/>
-              <a:t>24/10/2025</a:t>
+              <a:t>27/10/2025</a:t>
             </a:fld>
             <a:endParaRPr lang="en-GB"/>
           </a:p>
@@ -16889,7 +17016,7 @@
         <p:spPr>
           <a:xfrm>
             <a:off x="846650" y="1220575"/>
-            <a:ext cx="7242000" cy="1887000"/>
+            <a:ext cx="7242000" cy="1918957"/>
           </a:xfrm>
           <a:prstGeom prst="rect">
             <a:avLst/>
@@ -17189,7 +17316,7 @@
               <a:buChar char="●"/>
             </a:pPr>
             <a:r>
-              <a:rPr lang="zh-CN" u="sng" dirty="0">
+              <a:rPr lang="en-US" altLang="zh-CN" u="sng" dirty="0" err="1">
                 <a:solidFill>
                   <a:srgbClr val="5672F9"/>
                 </a:solidFill>
@@ -17201,7 +17328,22 @@
                 <a:cs typeface="Open Sans"/>
                 <a:sym typeface="Open Sans"/>
               </a:rPr>
-              <a:t>Wei Shi</a:t>
+              <a:t>Yangkai</a:t>
+            </a:r>
+            <a:r>
+              <a:rPr lang="en-US" altLang="zh-CN" u="sng" dirty="0">
+                <a:solidFill>
+                  <a:srgbClr val="5672F9"/>
+                </a:solidFill>
+                <a:highlight>
+                  <a:srgbClr val="FFFFFF"/>
+                </a:highlight>
+                <a:latin typeface="Open Sans"/>
+                <a:ea typeface="Open Sans"/>
+                <a:cs typeface="Open Sans"/>
+                <a:sym typeface="Open Sans"/>
+              </a:rPr>
+              <a:t> Ding</a:t>
             </a:r>
             <a:r>
               <a:rPr lang="zh-CN" dirty="0">
@@ -22733,19 +22875,7 @@
               <a:rPr lang="en-SG" dirty="0" err="1">
                 <a:hlinkClick r:id="rId3" tooltip="https://career.huawei.com/reccampportal/portal5/campus-recruitment-detail.html?jobId=24233&amp;dataSource=1&amp;jobType=2&amp;recruitType=CR&amp;sourceType=001"/>
               </a:rPr>
-              <a:t>campus-recruitment</a:t>
-            </a:r>
-            <a:r>
-              <a:rPr lang="en-SG" dirty="0" err="1">
-                <a:hlinkClick r:id="rId3" tooltip="https://career.huawei.com/reccampportal/portal5/campus-recruitment-detail.html?jobId=24233&amp;dataSource=1&amp;jobType=2&amp;recruitType=CR&amp;sourceType=001"/>
-              </a:rPr>
-              <a:t>-</a:t>
-            </a:r>
-            <a:r>
-              <a:rPr lang="en-SG" dirty="0" err="1">
-                <a:hlinkClick r:id="rId3" tooltip="https://career.huawei.com/reccampportal/portal5/campus-recruitment-detail.html?jobId=24233&amp;dataSource=1&amp;jobType=2&amp;recruitType=CR&amp;sourceType=001"/>
-              </a:rPr>
-              <a:t>detail.html?jobId</a:t>
+              <a:t>campus-recruitment-detail.html?jobId</a:t>
             </a:r>
             <a:r>
               <a:rPr lang="en-SG" dirty="0">
